--- a/presentations/epics-basic-training.pptx
+++ b/presentations/epics-basic-training.pptx
@@ -5,7 +5,7 @@
     <p:sldMasterId id="2147483648" r:id="rId1"/>
   </p:sldMasterIdLst>
   <p:notesMasterIdLst>
-    <p:notesMasterId r:id="rId16"/>
+    <p:notesMasterId r:id="rId17"/>
   </p:notesMasterIdLst>
   <p:sldIdLst>
     <p:sldId id="256" r:id="rId2"/>
@@ -18,10 +18,11 @@
     <p:sldId id="261" r:id="rId9"/>
     <p:sldId id="262" r:id="rId10"/>
     <p:sldId id="263" r:id="rId11"/>
-    <p:sldId id="267" r:id="rId12"/>
-    <p:sldId id="266" r:id="rId13"/>
-    <p:sldId id="264" r:id="rId14"/>
-    <p:sldId id="265" r:id="rId15"/>
+    <p:sldId id="271" r:id="rId12"/>
+    <p:sldId id="267" r:id="rId13"/>
+    <p:sldId id="266" r:id="rId14"/>
+    <p:sldId id="264" r:id="rId15"/>
+    <p:sldId id="265" r:id="rId16"/>
   </p:sldIdLst>
   <p:sldSz cx="12192000" cy="6858000"/>
   <p:notesSz cx="6858000" cy="9144000"/>
@@ -994,7 +995,7 @@
           <a:p>
             <a:fld id="{713D3ECA-B20F-4BB3-A4D6-9A0E54BA2457}" type="slidenum">
               <a:rPr lang="en-US" smtClean="0"/>
-              <a:t>11</a:t>
+              <a:t>12</a:t>
             </a:fld>
             <a:endParaRPr lang="en-US"/>
           </a:p>
@@ -1078,7 +1079,7 @@
           <a:p>
             <a:fld id="{713D3ECA-B20F-4BB3-A4D6-9A0E54BA2457}" type="slidenum">
               <a:rPr lang="en-US" smtClean="0"/>
-              <a:t>12</a:t>
+              <a:t>13</a:t>
             </a:fld>
             <a:endParaRPr lang="en-US"/>
           </a:p>
@@ -1162,7 +1163,7 @@
           <a:p>
             <a:fld id="{713D3ECA-B20F-4BB3-A4D6-9A0E54BA2457}" type="slidenum">
               <a:rPr lang="en-US" smtClean="0"/>
-              <a:t>13</a:t>
+              <a:t>14</a:t>
             </a:fld>
             <a:endParaRPr lang="en-US"/>
           </a:p>
@@ -4141,8 +4142,17 @@
           <a:p>
             <a:r>
               <a:rPr lang="en-US" dirty="0"/>
-              <a:t>What comes with a PV? </a:t>
-            </a:r>
+              <a:t>What comes with a </a:t>
+            </a:r>
+            <a:r>
+              <a:rPr lang="en-US" dirty="0" err="1" smtClean="0"/>
+              <a:t>caget</a:t>
+            </a:r>
+            <a:r>
+              <a:rPr lang="en-US" dirty="0" smtClean="0"/>
+              <a:t>? </a:t>
+            </a:r>
+            <a:endParaRPr lang="en-US" dirty="0"/>
           </a:p>
         </p:txBody>
       </p:sp>
@@ -4318,56 +4328,1411 @@
             <p:ph type="title"/>
           </p:nvPr>
         </p:nvSpPr>
-        <p:spPr>
+        <p:spPr/>
+        <p:txBody>
+          <a:bodyPr/>
+          <a:lstStyle/>
+          <a:p>
+            <a:r>
+              <a:rPr lang="en-US" dirty="0"/>
+              <a:t>Mapping Records to Channels</a:t>
+            </a:r>
+          </a:p>
+        </p:txBody>
+      </p:sp>
+      <p:sp>
+        <p:nvSpPr>
+          <p:cNvPr id="6" name="Text Box 28"/>
+          <p:cNvSpPr txBox="1">
+            <a:spLocks noChangeArrowheads="1"/>
+          </p:cNvSpPr>
+          <p:nvPr/>
+        </p:nvSpPr>
+        <p:spPr bwMode="auto">
           <a:xfrm>
-            <a:off x="230189" y="546401"/>
-            <a:ext cx="3932237" cy="627743"/>
-          </a:xfrm>
-        </p:spPr>
-        <p:txBody>
-          <a:bodyPr/>
-          <a:lstStyle/>
-          <a:p>
-            <a:r>
-              <a:rPr lang="en-US" dirty="0"/>
-              <a:t>Investigating a PV </a:t>
-            </a:r>
-            <a:endParaRPr lang="en-US" dirty="0">
-              <a:effectLst/>
-            </a:endParaRPr>
-          </a:p>
-        </p:txBody>
-      </p:sp>
-      <p:pic>
-        <p:nvPicPr>
-          <p:cNvPr id="10" name="Content Placeholder 9"/>
-          <p:cNvPicPr>
-            <a:picLocks noGrp="1" noChangeAspect="1"/>
-          </p:cNvPicPr>
-          <p:nvPr>
-            <p:ph idx="1"/>
-          </p:nvPr>
-        </p:nvPicPr>
-        <p:blipFill>
-          <a:blip r:embed="rId3"/>
-          <a:stretch>
-            <a:fillRect/>
-          </a:stretch>
-        </p:blipFill>
-        <p:spPr>
-          <a:xfrm>
-            <a:off x="3309257" y="319739"/>
-            <a:ext cx="8379959" cy="5962917"/>
+            <a:off x="838200" y="2071837"/>
+            <a:ext cx="2032000" cy="3694112"/>
           </a:xfrm>
           <a:prstGeom prst="rect">
             <a:avLst/>
           </a:prstGeom>
+          <a:noFill/>
+          <a:ln>
+            <a:noFill/>
+          </a:ln>
+          <a:effectLst/>
+          <a:extLst>
+            <a:ext uri="{909E8E84-426E-40DD-AFC4-6F175D3DCCD1}">
+              <a14:hiddenFill xmlns:a14="http://schemas.microsoft.com/office/drawing/2010/main">
+                <a:solidFill>
+                  <a:schemeClr val="accent1"/>
+                </a:solidFill>
+              </a14:hiddenFill>
+            </a:ext>
+            <a:ext uri="{91240B29-F687-4F45-9708-019B960494DF}">
+              <a14:hiddenLine xmlns:a14="http://schemas.microsoft.com/office/drawing/2010/main" w="12700">
+                <a:solidFill>
+                  <a:schemeClr val="tx1"/>
+                </a:solidFill>
+                <a:miter lim="800000"/>
+                <a:headEnd type="none" w="sm" len="sm"/>
+                <a:tailEnd type="none" w="sm" len="sm"/>
+              </a14:hiddenLine>
+            </a:ext>
+            <a:ext uri="{AF507438-7753-43E0-B8FC-AC1667EBCBE1}">
+              <a14:hiddenEffects xmlns:a14="http://schemas.microsoft.com/office/drawing/2010/main">
+                <a:effectLst>
+                  <a:outerShdw dist="35921" dir="2700000" algn="ctr" rotWithShape="0">
+                    <a:schemeClr val="bg2"/>
+                  </a:outerShdw>
+                </a:effectLst>
+              </a14:hiddenEffects>
+            </a:ext>
+          </a:extLst>
         </p:spPr>
-      </p:pic>
+        <p:txBody>
+          <a:bodyPr wrap="none">
+            <a:spAutoFit/>
+          </a:bodyPr>
+          <a:lstStyle>
+            <a:defPPr>
+              <a:defRPr lang="en-US"/>
+            </a:defPPr>
+            <a:lvl1pPr algn="l" rtl="0" eaLnBrk="0" fontAlgn="base" hangingPunct="0">
+              <a:spcBef>
+                <a:spcPct val="0"/>
+              </a:spcBef>
+              <a:spcAft>
+                <a:spcPct val="0"/>
+              </a:spcAft>
+              <a:defRPr kern="1200">
+                <a:solidFill>
+                  <a:schemeClr val="tx2"/>
+                </a:solidFill>
+                <a:latin typeface="Times New Roman" panose="02020603050405020304" pitchFamily="18" charset="0"/>
+                <a:ea typeface="+mn-ea"/>
+                <a:cs typeface="+mn-cs"/>
+              </a:defRPr>
+            </a:lvl1pPr>
+            <a:lvl2pPr marL="457200" algn="l" rtl="0" eaLnBrk="0" fontAlgn="base" hangingPunct="0">
+              <a:spcBef>
+                <a:spcPct val="0"/>
+              </a:spcBef>
+              <a:spcAft>
+                <a:spcPct val="0"/>
+              </a:spcAft>
+              <a:defRPr kern="1200">
+                <a:solidFill>
+                  <a:schemeClr val="tx2"/>
+                </a:solidFill>
+                <a:latin typeface="Times New Roman" panose="02020603050405020304" pitchFamily="18" charset="0"/>
+                <a:ea typeface="+mn-ea"/>
+                <a:cs typeface="+mn-cs"/>
+              </a:defRPr>
+            </a:lvl2pPr>
+            <a:lvl3pPr marL="914400" algn="l" rtl="0" eaLnBrk="0" fontAlgn="base" hangingPunct="0">
+              <a:spcBef>
+                <a:spcPct val="0"/>
+              </a:spcBef>
+              <a:spcAft>
+                <a:spcPct val="0"/>
+              </a:spcAft>
+              <a:defRPr kern="1200">
+                <a:solidFill>
+                  <a:schemeClr val="tx2"/>
+                </a:solidFill>
+                <a:latin typeface="Times New Roman" panose="02020603050405020304" pitchFamily="18" charset="0"/>
+                <a:ea typeface="+mn-ea"/>
+                <a:cs typeface="+mn-cs"/>
+              </a:defRPr>
+            </a:lvl3pPr>
+            <a:lvl4pPr marL="1371600" algn="l" rtl="0" eaLnBrk="0" fontAlgn="base" hangingPunct="0">
+              <a:spcBef>
+                <a:spcPct val="0"/>
+              </a:spcBef>
+              <a:spcAft>
+                <a:spcPct val="0"/>
+              </a:spcAft>
+              <a:defRPr kern="1200">
+                <a:solidFill>
+                  <a:schemeClr val="tx2"/>
+                </a:solidFill>
+                <a:latin typeface="Times New Roman" panose="02020603050405020304" pitchFamily="18" charset="0"/>
+                <a:ea typeface="+mn-ea"/>
+                <a:cs typeface="+mn-cs"/>
+              </a:defRPr>
+            </a:lvl4pPr>
+            <a:lvl5pPr marL="1828800" algn="l" rtl="0" eaLnBrk="0" fontAlgn="base" hangingPunct="0">
+              <a:spcBef>
+                <a:spcPct val="0"/>
+              </a:spcBef>
+              <a:spcAft>
+                <a:spcPct val="0"/>
+              </a:spcAft>
+              <a:defRPr kern="1200">
+                <a:solidFill>
+                  <a:schemeClr val="tx2"/>
+                </a:solidFill>
+                <a:latin typeface="Times New Roman" panose="02020603050405020304" pitchFamily="18" charset="0"/>
+                <a:ea typeface="+mn-ea"/>
+                <a:cs typeface="+mn-cs"/>
+              </a:defRPr>
+            </a:lvl5pPr>
+            <a:lvl6pPr marL="2286000" algn="l" defTabSz="914400" rtl="0" eaLnBrk="1" latinLnBrk="0" hangingPunct="1">
+              <a:defRPr kern="1200">
+                <a:solidFill>
+                  <a:schemeClr val="tx2"/>
+                </a:solidFill>
+                <a:latin typeface="Times New Roman" panose="02020603050405020304" pitchFamily="18" charset="0"/>
+                <a:ea typeface="+mn-ea"/>
+                <a:cs typeface="+mn-cs"/>
+              </a:defRPr>
+            </a:lvl6pPr>
+            <a:lvl7pPr marL="2743200" algn="l" defTabSz="914400" rtl="0" eaLnBrk="1" latinLnBrk="0" hangingPunct="1">
+              <a:defRPr kern="1200">
+                <a:solidFill>
+                  <a:schemeClr val="tx2"/>
+                </a:solidFill>
+                <a:latin typeface="Times New Roman" panose="02020603050405020304" pitchFamily="18" charset="0"/>
+                <a:ea typeface="+mn-ea"/>
+                <a:cs typeface="+mn-cs"/>
+              </a:defRPr>
+            </a:lvl7pPr>
+            <a:lvl8pPr marL="3200400" algn="l" defTabSz="914400" rtl="0" eaLnBrk="1" latinLnBrk="0" hangingPunct="1">
+              <a:defRPr kern="1200">
+                <a:solidFill>
+                  <a:schemeClr val="tx2"/>
+                </a:solidFill>
+                <a:latin typeface="Times New Roman" panose="02020603050405020304" pitchFamily="18" charset="0"/>
+                <a:ea typeface="+mn-ea"/>
+                <a:cs typeface="+mn-cs"/>
+              </a:defRPr>
+            </a:lvl8pPr>
+            <a:lvl9pPr marL="3657600" algn="l" defTabSz="914400" rtl="0" eaLnBrk="1" latinLnBrk="0" hangingPunct="1">
+              <a:defRPr kern="1200">
+                <a:solidFill>
+                  <a:schemeClr val="tx2"/>
+                </a:solidFill>
+                <a:latin typeface="Times New Roman" panose="02020603050405020304" pitchFamily="18" charset="0"/>
+                <a:ea typeface="+mn-ea"/>
+                <a:cs typeface="+mn-cs"/>
+              </a:defRPr>
+            </a:lvl9pPr>
+          </a:lstStyle>
+          <a:p>
+            <a:pPr>
+              <a:spcBef>
+                <a:spcPct val="0"/>
+              </a:spcBef>
+              <a:buFontTx/>
+              <a:buNone/>
+            </a:pPr>
+            <a:r>
+              <a:rPr lang="en-US" altLang="en-US" sz="1800" dirty="0">
+                <a:solidFill>
+                  <a:schemeClr val="tx1"/>
+                </a:solidFill>
+                <a:latin typeface="+mn-lt"/>
+              </a:rPr>
+              <a:t>Record:</a:t>
+            </a:r>
+          </a:p>
+          <a:p>
+            <a:pPr>
+              <a:spcBef>
+                <a:spcPct val="0"/>
+              </a:spcBef>
+              <a:buFontTx/>
+              <a:buNone/>
+            </a:pPr>
+            <a:r>
+              <a:rPr lang="en-US" altLang="en-US" sz="1800" dirty="0">
+                <a:solidFill>
+                  <a:schemeClr val="tx1"/>
+                </a:solidFill>
+                <a:latin typeface="+mn-lt"/>
+              </a:rPr>
+              <a:t>AI:</a:t>
+            </a:r>
+          </a:p>
+          <a:p>
+            <a:pPr>
+              <a:spcBef>
+                <a:spcPct val="0"/>
+              </a:spcBef>
+              <a:buFontTx/>
+              <a:buNone/>
+            </a:pPr>
+            <a:r>
+              <a:rPr lang="en-US" altLang="en-US" sz="1800" dirty="0">
+                <a:solidFill>
+                  <a:schemeClr val="tx1"/>
+                </a:solidFill>
+                <a:latin typeface="+mn-lt"/>
+              </a:rPr>
+              <a:t>Name</a:t>
+            </a:r>
+          </a:p>
+          <a:p>
+            <a:pPr>
+              <a:spcBef>
+                <a:spcPct val="0"/>
+              </a:spcBef>
+              <a:buFontTx/>
+              <a:buNone/>
+            </a:pPr>
+            <a:r>
+              <a:rPr lang="en-US" altLang="en-US" sz="1800" dirty="0">
+                <a:solidFill>
+                  <a:schemeClr val="tx1"/>
+                </a:solidFill>
+                <a:latin typeface="+mn-lt"/>
+              </a:rPr>
+              <a:t>SCAN		</a:t>
+            </a:r>
+          </a:p>
+          <a:p>
+            <a:pPr>
+              <a:spcBef>
+                <a:spcPct val="0"/>
+              </a:spcBef>
+              <a:buFontTx/>
+              <a:buNone/>
+            </a:pPr>
+            <a:r>
+              <a:rPr lang="en-US" altLang="en-US" sz="1800" dirty="0">
+                <a:solidFill>
+                  <a:schemeClr val="tx1"/>
+                </a:solidFill>
+                <a:latin typeface="+mn-lt"/>
+              </a:rPr>
+              <a:t>VAL</a:t>
+            </a:r>
+          </a:p>
+          <a:p>
+            <a:pPr>
+              <a:spcBef>
+                <a:spcPct val="0"/>
+              </a:spcBef>
+              <a:buFontTx/>
+              <a:buNone/>
+            </a:pPr>
+            <a:r>
+              <a:rPr lang="en-US" altLang="en-US" sz="1800" dirty="0">
+                <a:solidFill>
+                  <a:schemeClr val="tx1"/>
+                </a:solidFill>
+                <a:latin typeface="+mn-lt"/>
+              </a:rPr>
+              <a:t>STAT	ACK	</a:t>
+            </a:r>
+          </a:p>
+          <a:p>
+            <a:pPr>
+              <a:spcBef>
+                <a:spcPct val="0"/>
+              </a:spcBef>
+              <a:buFontTx/>
+              <a:buNone/>
+            </a:pPr>
+            <a:r>
+              <a:rPr lang="en-US" altLang="en-US" sz="1800" dirty="0">
+                <a:solidFill>
+                  <a:schemeClr val="tx1"/>
+                </a:solidFill>
+                <a:latin typeface="+mn-lt"/>
+              </a:rPr>
+              <a:t>SEVR	ACKT</a:t>
+            </a:r>
+          </a:p>
+          <a:p>
+            <a:pPr>
+              <a:spcBef>
+                <a:spcPct val="0"/>
+              </a:spcBef>
+              <a:buFontTx/>
+              <a:buNone/>
+            </a:pPr>
+            <a:r>
+              <a:rPr lang="en-US" altLang="en-US" sz="1800" dirty="0">
+                <a:solidFill>
+                  <a:schemeClr val="tx1"/>
+                </a:solidFill>
+                <a:latin typeface="+mn-lt"/>
+              </a:rPr>
+              <a:t>HOPR	EGU</a:t>
+            </a:r>
+          </a:p>
+          <a:p>
+            <a:pPr>
+              <a:spcBef>
+                <a:spcPct val="0"/>
+              </a:spcBef>
+              <a:buFontTx/>
+              <a:buNone/>
+            </a:pPr>
+            <a:r>
+              <a:rPr lang="en-US" altLang="en-US" sz="1800" dirty="0">
+                <a:solidFill>
+                  <a:schemeClr val="tx1"/>
+                </a:solidFill>
+                <a:latin typeface="+mn-lt"/>
+              </a:rPr>
+              <a:t>LOPR</a:t>
+            </a:r>
+          </a:p>
+          <a:p>
+            <a:pPr>
+              <a:spcBef>
+                <a:spcPct val="0"/>
+              </a:spcBef>
+              <a:buFontTx/>
+              <a:buNone/>
+            </a:pPr>
+            <a:r>
+              <a:rPr lang="en-US" altLang="en-US" sz="1800" dirty="0">
+                <a:solidFill>
+                  <a:schemeClr val="tx1"/>
+                </a:solidFill>
+                <a:latin typeface="+mn-lt"/>
+              </a:rPr>
+              <a:t>HIHI	HHSV</a:t>
+            </a:r>
+          </a:p>
+          <a:p>
+            <a:pPr>
+              <a:spcBef>
+                <a:spcPct val="0"/>
+              </a:spcBef>
+              <a:buFontTx/>
+              <a:buNone/>
+            </a:pPr>
+            <a:r>
+              <a:rPr lang="en-US" altLang="en-US" sz="1800" dirty="0">
+                <a:solidFill>
+                  <a:schemeClr val="tx1"/>
+                </a:solidFill>
+                <a:latin typeface="+mn-lt"/>
+              </a:rPr>
+              <a:t>HIGH	HSV</a:t>
+            </a:r>
+          </a:p>
+          <a:p>
+            <a:pPr>
+              <a:spcBef>
+                <a:spcPct val="0"/>
+              </a:spcBef>
+              <a:buFontTx/>
+              <a:buNone/>
+            </a:pPr>
+            <a:r>
+              <a:rPr lang="en-US" altLang="en-US" sz="1800" dirty="0">
+                <a:solidFill>
+                  <a:schemeClr val="tx1"/>
+                </a:solidFill>
+                <a:latin typeface="+mn-lt"/>
+              </a:rPr>
+              <a:t>LOW	LSV</a:t>
+            </a:r>
+          </a:p>
+          <a:p>
+            <a:pPr>
+              <a:spcBef>
+                <a:spcPct val="0"/>
+              </a:spcBef>
+              <a:buFontTx/>
+              <a:buNone/>
+            </a:pPr>
+            <a:r>
+              <a:rPr lang="en-US" altLang="en-US" sz="1800" dirty="0">
+                <a:solidFill>
+                  <a:schemeClr val="tx1"/>
+                </a:solidFill>
+                <a:latin typeface="+mn-lt"/>
+              </a:rPr>
+              <a:t>LOLO	LLSV</a:t>
+            </a:r>
+          </a:p>
+        </p:txBody>
+      </p:sp>
+      <p:sp>
+        <p:nvSpPr>
+          <p:cNvPr id="7" name="Text Box 29"/>
+          <p:cNvSpPr txBox="1">
+            <a:spLocks noChangeArrowheads="1"/>
+          </p:cNvSpPr>
+          <p:nvPr/>
+        </p:nvSpPr>
+        <p:spPr bwMode="auto">
+          <a:xfrm>
+            <a:off x="4309569" y="1795612"/>
+            <a:ext cx="2979738" cy="4246563"/>
+          </a:xfrm>
+          <a:prstGeom prst="rect">
+            <a:avLst/>
+          </a:prstGeom>
+          <a:noFill/>
+          <a:ln>
+            <a:noFill/>
+          </a:ln>
+          <a:effectLst/>
+          <a:extLst>
+            <a:ext uri="{909E8E84-426E-40DD-AFC4-6F175D3DCCD1}">
+              <a14:hiddenFill xmlns:a14="http://schemas.microsoft.com/office/drawing/2010/main">
+                <a:solidFill>
+                  <a:schemeClr val="accent1"/>
+                </a:solidFill>
+              </a14:hiddenFill>
+            </a:ext>
+            <a:ext uri="{91240B29-F687-4F45-9708-019B960494DF}">
+              <a14:hiddenLine xmlns:a14="http://schemas.microsoft.com/office/drawing/2010/main" w="12700">
+                <a:solidFill>
+                  <a:schemeClr val="tx1"/>
+                </a:solidFill>
+                <a:miter lim="800000"/>
+                <a:headEnd type="none" w="sm" len="sm"/>
+                <a:tailEnd type="none" w="sm" len="sm"/>
+              </a14:hiddenLine>
+            </a:ext>
+            <a:ext uri="{AF507438-7753-43E0-B8FC-AC1667EBCBE1}">
+              <a14:hiddenEffects xmlns:a14="http://schemas.microsoft.com/office/drawing/2010/main">
+                <a:effectLst>
+                  <a:outerShdw dist="35921" dir="2700000" algn="ctr" rotWithShape="0">
+                    <a:schemeClr val="bg2"/>
+                  </a:outerShdw>
+                </a:effectLst>
+              </a14:hiddenEffects>
+            </a:ext>
+          </a:extLst>
+        </p:spPr>
+        <p:txBody>
+          <a:bodyPr wrap="none">
+            <a:spAutoFit/>
+          </a:bodyPr>
+          <a:lstStyle>
+            <a:defPPr>
+              <a:defRPr lang="en-US"/>
+            </a:defPPr>
+            <a:lvl1pPr algn="l" rtl="0" eaLnBrk="0" fontAlgn="base" hangingPunct="0">
+              <a:spcBef>
+                <a:spcPct val="0"/>
+              </a:spcBef>
+              <a:spcAft>
+                <a:spcPct val="0"/>
+              </a:spcAft>
+              <a:defRPr kern="1200">
+                <a:solidFill>
+                  <a:schemeClr val="tx2"/>
+                </a:solidFill>
+                <a:latin typeface="Times New Roman" panose="02020603050405020304" pitchFamily="18" charset="0"/>
+                <a:ea typeface="+mn-ea"/>
+                <a:cs typeface="+mn-cs"/>
+              </a:defRPr>
+            </a:lvl1pPr>
+            <a:lvl2pPr marL="457200" algn="l" rtl="0" eaLnBrk="0" fontAlgn="base" hangingPunct="0">
+              <a:spcBef>
+                <a:spcPct val="0"/>
+              </a:spcBef>
+              <a:spcAft>
+                <a:spcPct val="0"/>
+              </a:spcAft>
+              <a:defRPr kern="1200">
+                <a:solidFill>
+                  <a:schemeClr val="tx2"/>
+                </a:solidFill>
+                <a:latin typeface="Times New Roman" panose="02020603050405020304" pitchFamily="18" charset="0"/>
+                <a:ea typeface="+mn-ea"/>
+                <a:cs typeface="+mn-cs"/>
+              </a:defRPr>
+            </a:lvl2pPr>
+            <a:lvl3pPr marL="914400" algn="l" rtl="0" eaLnBrk="0" fontAlgn="base" hangingPunct="0">
+              <a:spcBef>
+                <a:spcPct val="0"/>
+              </a:spcBef>
+              <a:spcAft>
+                <a:spcPct val="0"/>
+              </a:spcAft>
+              <a:defRPr kern="1200">
+                <a:solidFill>
+                  <a:schemeClr val="tx2"/>
+                </a:solidFill>
+                <a:latin typeface="Times New Roman" panose="02020603050405020304" pitchFamily="18" charset="0"/>
+                <a:ea typeface="+mn-ea"/>
+                <a:cs typeface="+mn-cs"/>
+              </a:defRPr>
+            </a:lvl3pPr>
+            <a:lvl4pPr marL="1371600" algn="l" rtl="0" eaLnBrk="0" fontAlgn="base" hangingPunct="0">
+              <a:spcBef>
+                <a:spcPct val="0"/>
+              </a:spcBef>
+              <a:spcAft>
+                <a:spcPct val="0"/>
+              </a:spcAft>
+              <a:defRPr kern="1200">
+                <a:solidFill>
+                  <a:schemeClr val="tx2"/>
+                </a:solidFill>
+                <a:latin typeface="Times New Roman" panose="02020603050405020304" pitchFamily="18" charset="0"/>
+                <a:ea typeface="+mn-ea"/>
+                <a:cs typeface="+mn-cs"/>
+              </a:defRPr>
+            </a:lvl4pPr>
+            <a:lvl5pPr marL="1828800" algn="l" rtl="0" eaLnBrk="0" fontAlgn="base" hangingPunct="0">
+              <a:spcBef>
+                <a:spcPct val="0"/>
+              </a:spcBef>
+              <a:spcAft>
+                <a:spcPct val="0"/>
+              </a:spcAft>
+              <a:defRPr kern="1200">
+                <a:solidFill>
+                  <a:schemeClr val="tx2"/>
+                </a:solidFill>
+                <a:latin typeface="Times New Roman" panose="02020603050405020304" pitchFamily="18" charset="0"/>
+                <a:ea typeface="+mn-ea"/>
+                <a:cs typeface="+mn-cs"/>
+              </a:defRPr>
+            </a:lvl5pPr>
+            <a:lvl6pPr marL="2286000" algn="l" defTabSz="914400" rtl="0" eaLnBrk="1" latinLnBrk="0" hangingPunct="1">
+              <a:defRPr kern="1200">
+                <a:solidFill>
+                  <a:schemeClr val="tx2"/>
+                </a:solidFill>
+                <a:latin typeface="Times New Roman" panose="02020603050405020304" pitchFamily="18" charset="0"/>
+                <a:ea typeface="+mn-ea"/>
+                <a:cs typeface="+mn-cs"/>
+              </a:defRPr>
+            </a:lvl6pPr>
+            <a:lvl7pPr marL="2743200" algn="l" defTabSz="914400" rtl="0" eaLnBrk="1" latinLnBrk="0" hangingPunct="1">
+              <a:defRPr kern="1200">
+                <a:solidFill>
+                  <a:schemeClr val="tx2"/>
+                </a:solidFill>
+                <a:latin typeface="Times New Roman" panose="02020603050405020304" pitchFamily="18" charset="0"/>
+                <a:ea typeface="+mn-ea"/>
+                <a:cs typeface="+mn-cs"/>
+              </a:defRPr>
+            </a:lvl7pPr>
+            <a:lvl8pPr marL="3200400" algn="l" defTabSz="914400" rtl="0" eaLnBrk="1" latinLnBrk="0" hangingPunct="1">
+              <a:defRPr kern="1200">
+                <a:solidFill>
+                  <a:schemeClr val="tx2"/>
+                </a:solidFill>
+                <a:latin typeface="Times New Roman" panose="02020603050405020304" pitchFamily="18" charset="0"/>
+                <a:ea typeface="+mn-ea"/>
+                <a:cs typeface="+mn-cs"/>
+              </a:defRPr>
+            </a:lvl8pPr>
+            <a:lvl9pPr marL="3657600" algn="l" defTabSz="914400" rtl="0" eaLnBrk="1" latinLnBrk="0" hangingPunct="1">
+              <a:defRPr kern="1200">
+                <a:solidFill>
+                  <a:schemeClr val="tx2"/>
+                </a:solidFill>
+                <a:latin typeface="Times New Roman" panose="02020603050405020304" pitchFamily="18" charset="0"/>
+                <a:ea typeface="+mn-ea"/>
+                <a:cs typeface="+mn-cs"/>
+              </a:defRPr>
+            </a:lvl9pPr>
+          </a:lstStyle>
+          <a:p>
+            <a:pPr>
+              <a:spcBef>
+                <a:spcPct val="0"/>
+              </a:spcBef>
+              <a:buFontTx/>
+              <a:buNone/>
+            </a:pPr>
+            <a:r>
+              <a:rPr lang="en-US" altLang="en-US" sz="1800" dirty="0">
+                <a:solidFill>
+                  <a:schemeClr val="tx1"/>
+                </a:solidFill>
+                <a:latin typeface="+mn-lt"/>
+              </a:rPr>
+              <a:t>Channel Access Client:</a:t>
+            </a:r>
+          </a:p>
+          <a:p>
+            <a:pPr>
+              <a:spcBef>
+                <a:spcPct val="0"/>
+              </a:spcBef>
+              <a:buFontTx/>
+              <a:buNone/>
+            </a:pPr>
+            <a:r>
+              <a:rPr lang="en-US" altLang="en-US" sz="1800" dirty="0">
+                <a:solidFill>
+                  <a:schemeClr val="tx1"/>
+                </a:solidFill>
+                <a:latin typeface="+mn-lt"/>
+              </a:rPr>
+              <a:t>Monitor request--------</a:t>
+            </a:r>
+          </a:p>
+          <a:p>
+            <a:pPr>
+              <a:spcBef>
+                <a:spcPct val="0"/>
+              </a:spcBef>
+              <a:buFontTx/>
+              <a:buNone/>
+            </a:pPr>
+            <a:r>
+              <a:rPr lang="en-US" altLang="en-US" sz="1800" dirty="0">
+                <a:solidFill>
+                  <a:schemeClr val="tx1"/>
+                </a:solidFill>
+                <a:latin typeface="+mn-lt"/>
+              </a:rPr>
+              <a:t>Add Event to </a:t>
+            </a:r>
+          </a:p>
+          <a:p>
+            <a:pPr>
+              <a:spcBef>
+                <a:spcPct val="0"/>
+              </a:spcBef>
+              <a:buFontTx/>
+              <a:buNone/>
+            </a:pPr>
+            <a:r>
+              <a:rPr lang="en-US" altLang="en-US" sz="1800" dirty="0">
+                <a:solidFill>
+                  <a:schemeClr val="tx1"/>
+                </a:solidFill>
+                <a:latin typeface="+mn-lt"/>
+              </a:rPr>
+              <a:t>	alarm change</a:t>
+            </a:r>
+          </a:p>
+          <a:p>
+            <a:pPr>
+              <a:spcBef>
+                <a:spcPct val="0"/>
+              </a:spcBef>
+              <a:buFontTx/>
+              <a:buNone/>
+            </a:pPr>
+            <a:r>
+              <a:rPr lang="en-US" altLang="en-US" sz="1800" dirty="0">
+                <a:solidFill>
+                  <a:schemeClr val="tx1"/>
+                </a:solidFill>
+                <a:latin typeface="+mn-lt"/>
+              </a:rPr>
+              <a:t>	monitor change</a:t>
+            </a:r>
+          </a:p>
+          <a:p>
+            <a:pPr>
+              <a:spcBef>
+                <a:spcPct val="0"/>
+              </a:spcBef>
+              <a:buFontTx/>
+              <a:buNone/>
+            </a:pPr>
+            <a:r>
+              <a:rPr lang="en-US" altLang="en-US" sz="1800" dirty="0">
+                <a:solidFill>
+                  <a:schemeClr val="tx1"/>
+                </a:solidFill>
+                <a:latin typeface="+mn-lt"/>
+              </a:rPr>
+              <a:t>	archive change</a:t>
+            </a:r>
+          </a:p>
+          <a:p>
+            <a:pPr>
+              <a:spcBef>
+                <a:spcPct val="0"/>
+              </a:spcBef>
+              <a:buFontTx/>
+              <a:buNone/>
+            </a:pPr>
+            <a:endParaRPr lang="en-US" altLang="en-US" sz="1800" dirty="0">
+              <a:solidFill>
+                <a:schemeClr val="tx1"/>
+              </a:solidFill>
+              <a:latin typeface="+mn-lt"/>
+            </a:endParaRPr>
+          </a:p>
+          <a:p>
+            <a:pPr>
+              <a:spcBef>
+                <a:spcPct val="0"/>
+              </a:spcBef>
+              <a:buFontTx/>
+              <a:buNone/>
+            </a:pPr>
+            <a:endParaRPr lang="en-US" altLang="en-US" sz="1800" dirty="0">
+              <a:solidFill>
+                <a:schemeClr val="tx1"/>
+              </a:solidFill>
+              <a:latin typeface="+mn-lt"/>
+            </a:endParaRPr>
+          </a:p>
+          <a:p>
+            <a:pPr>
+              <a:spcBef>
+                <a:spcPct val="0"/>
+              </a:spcBef>
+              <a:buFontTx/>
+              <a:buNone/>
+            </a:pPr>
+            <a:r>
+              <a:rPr lang="en-US" altLang="en-US" sz="1800" dirty="0">
+                <a:solidFill>
+                  <a:schemeClr val="tx1"/>
+                </a:solidFill>
+                <a:latin typeface="+mn-lt"/>
+              </a:rPr>
+              <a:t>Make data type request</a:t>
+            </a:r>
+          </a:p>
+          <a:p>
+            <a:pPr>
+              <a:spcBef>
+                <a:spcPct val="0"/>
+              </a:spcBef>
+              <a:buFontTx/>
+              <a:buNone/>
+            </a:pPr>
+            <a:r>
+              <a:rPr lang="en-US" altLang="en-US" sz="1800" dirty="0">
+                <a:solidFill>
+                  <a:schemeClr val="tx1"/>
+                </a:solidFill>
+                <a:latin typeface="+mn-lt"/>
+              </a:rPr>
+              <a:t>	Value</a:t>
+            </a:r>
+          </a:p>
+          <a:p>
+            <a:pPr>
+              <a:spcBef>
+                <a:spcPct val="0"/>
+              </a:spcBef>
+              <a:buFontTx/>
+              <a:buNone/>
+            </a:pPr>
+            <a:r>
+              <a:rPr lang="en-US" altLang="en-US" sz="1800" dirty="0">
+                <a:solidFill>
+                  <a:schemeClr val="tx1"/>
+                </a:solidFill>
+                <a:latin typeface="+mn-lt"/>
+              </a:rPr>
+              <a:t>	Status &amp; Severity</a:t>
+            </a:r>
+          </a:p>
+          <a:p>
+            <a:pPr>
+              <a:spcBef>
+                <a:spcPct val="0"/>
+              </a:spcBef>
+              <a:buFontTx/>
+              <a:buNone/>
+            </a:pPr>
+            <a:r>
+              <a:rPr lang="en-US" altLang="en-US" sz="1800" dirty="0">
+                <a:solidFill>
+                  <a:schemeClr val="tx1"/>
+                </a:solidFill>
+                <a:latin typeface="+mn-lt"/>
+              </a:rPr>
+              <a:t>	Time Stamp</a:t>
+            </a:r>
+          </a:p>
+          <a:p>
+            <a:pPr>
+              <a:spcBef>
+                <a:spcPct val="0"/>
+              </a:spcBef>
+              <a:buFontTx/>
+              <a:buNone/>
+            </a:pPr>
+            <a:r>
+              <a:rPr lang="en-US" altLang="en-US" sz="1800" dirty="0">
+                <a:solidFill>
+                  <a:schemeClr val="tx1"/>
+                </a:solidFill>
+                <a:latin typeface="+mn-lt"/>
+              </a:rPr>
+              <a:t>	Display and Control</a:t>
+            </a:r>
+          </a:p>
+          <a:p>
+            <a:pPr>
+              <a:spcBef>
+                <a:spcPct val="0"/>
+              </a:spcBef>
+              <a:buFontTx/>
+              <a:buNone/>
+            </a:pPr>
+            <a:r>
+              <a:rPr lang="en-US" altLang="en-US" sz="1800" dirty="0">
+                <a:solidFill>
+                  <a:schemeClr val="tx1"/>
+                </a:solidFill>
+                <a:latin typeface="+mn-lt"/>
+              </a:rPr>
+              <a:t>	  Information	</a:t>
+            </a:r>
+          </a:p>
+          <a:p>
+            <a:pPr>
+              <a:spcBef>
+                <a:spcPct val="0"/>
+              </a:spcBef>
+              <a:buFontTx/>
+              <a:buNone/>
+            </a:pPr>
+            <a:endParaRPr lang="en-US" altLang="en-US" sz="1800" dirty="0">
+              <a:solidFill>
+                <a:schemeClr val="tx1"/>
+              </a:solidFill>
+              <a:latin typeface="+mn-lt"/>
+            </a:endParaRPr>
+          </a:p>
+        </p:txBody>
+      </p:sp>
+      <p:sp>
+        <p:nvSpPr>
+          <p:cNvPr id="8" name="Text Box 30"/>
+          <p:cNvSpPr txBox="1">
+            <a:spLocks noChangeArrowheads="1"/>
+          </p:cNvSpPr>
+          <p:nvPr/>
+        </p:nvSpPr>
+        <p:spPr bwMode="auto">
+          <a:xfrm>
+            <a:off x="8426277" y="825649"/>
+            <a:ext cx="3473279" cy="6186487"/>
+          </a:xfrm>
+          <a:prstGeom prst="rect">
+            <a:avLst/>
+          </a:prstGeom>
+          <a:noFill/>
+          <a:ln>
+            <a:noFill/>
+          </a:ln>
+          <a:effectLst/>
+          <a:extLst>
+            <a:ext uri="{909E8E84-426E-40DD-AFC4-6F175D3DCCD1}">
+              <a14:hiddenFill xmlns:a14="http://schemas.microsoft.com/office/drawing/2010/main">
+                <a:solidFill>
+                  <a:schemeClr val="accent1"/>
+                </a:solidFill>
+              </a14:hiddenFill>
+            </a:ext>
+            <a:ext uri="{91240B29-F687-4F45-9708-019B960494DF}">
+              <a14:hiddenLine xmlns:a14="http://schemas.microsoft.com/office/drawing/2010/main" w="12700">
+                <a:solidFill>
+                  <a:schemeClr val="tx1"/>
+                </a:solidFill>
+                <a:miter lim="800000"/>
+                <a:headEnd type="none" w="sm" len="sm"/>
+                <a:tailEnd type="none" w="sm" len="sm"/>
+              </a14:hiddenLine>
+            </a:ext>
+            <a:ext uri="{AF507438-7753-43E0-B8FC-AC1667EBCBE1}">
+              <a14:hiddenEffects xmlns:a14="http://schemas.microsoft.com/office/drawing/2010/main">
+                <a:effectLst>
+                  <a:outerShdw dist="35921" dir="2700000" algn="ctr" rotWithShape="0">
+                    <a:schemeClr val="bg2"/>
+                  </a:outerShdw>
+                </a:effectLst>
+              </a14:hiddenEffects>
+            </a:ext>
+          </a:extLst>
+        </p:spPr>
+        <p:txBody>
+          <a:bodyPr wrap="square">
+            <a:spAutoFit/>
+          </a:bodyPr>
+          <a:lstStyle>
+            <a:defPPr>
+              <a:defRPr lang="en-US"/>
+            </a:defPPr>
+            <a:lvl1pPr algn="l" rtl="0" eaLnBrk="0" fontAlgn="base" hangingPunct="0">
+              <a:spcBef>
+                <a:spcPct val="0"/>
+              </a:spcBef>
+              <a:spcAft>
+                <a:spcPct val="0"/>
+              </a:spcAft>
+              <a:defRPr kern="1200">
+                <a:solidFill>
+                  <a:schemeClr val="tx2"/>
+                </a:solidFill>
+                <a:latin typeface="Times New Roman" panose="02020603050405020304" pitchFamily="18" charset="0"/>
+                <a:ea typeface="+mn-ea"/>
+                <a:cs typeface="+mn-cs"/>
+              </a:defRPr>
+            </a:lvl1pPr>
+            <a:lvl2pPr marL="457200" algn="l" rtl="0" eaLnBrk="0" fontAlgn="base" hangingPunct="0">
+              <a:spcBef>
+                <a:spcPct val="0"/>
+              </a:spcBef>
+              <a:spcAft>
+                <a:spcPct val="0"/>
+              </a:spcAft>
+              <a:defRPr kern="1200">
+                <a:solidFill>
+                  <a:schemeClr val="tx2"/>
+                </a:solidFill>
+                <a:latin typeface="Times New Roman" panose="02020603050405020304" pitchFamily="18" charset="0"/>
+                <a:ea typeface="+mn-ea"/>
+                <a:cs typeface="+mn-cs"/>
+              </a:defRPr>
+            </a:lvl2pPr>
+            <a:lvl3pPr marL="914400" algn="l" rtl="0" eaLnBrk="0" fontAlgn="base" hangingPunct="0">
+              <a:spcBef>
+                <a:spcPct val="0"/>
+              </a:spcBef>
+              <a:spcAft>
+                <a:spcPct val="0"/>
+              </a:spcAft>
+              <a:defRPr kern="1200">
+                <a:solidFill>
+                  <a:schemeClr val="tx2"/>
+                </a:solidFill>
+                <a:latin typeface="Times New Roman" panose="02020603050405020304" pitchFamily="18" charset="0"/>
+                <a:ea typeface="+mn-ea"/>
+                <a:cs typeface="+mn-cs"/>
+              </a:defRPr>
+            </a:lvl3pPr>
+            <a:lvl4pPr marL="1371600" algn="l" rtl="0" eaLnBrk="0" fontAlgn="base" hangingPunct="0">
+              <a:spcBef>
+                <a:spcPct val="0"/>
+              </a:spcBef>
+              <a:spcAft>
+                <a:spcPct val="0"/>
+              </a:spcAft>
+              <a:defRPr kern="1200">
+                <a:solidFill>
+                  <a:schemeClr val="tx2"/>
+                </a:solidFill>
+                <a:latin typeface="Times New Roman" panose="02020603050405020304" pitchFamily="18" charset="0"/>
+                <a:ea typeface="+mn-ea"/>
+                <a:cs typeface="+mn-cs"/>
+              </a:defRPr>
+            </a:lvl4pPr>
+            <a:lvl5pPr marL="1828800" algn="l" rtl="0" eaLnBrk="0" fontAlgn="base" hangingPunct="0">
+              <a:spcBef>
+                <a:spcPct val="0"/>
+              </a:spcBef>
+              <a:spcAft>
+                <a:spcPct val="0"/>
+              </a:spcAft>
+              <a:defRPr kern="1200">
+                <a:solidFill>
+                  <a:schemeClr val="tx2"/>
+                </a:solidFill>
+                <a:latin typeface="Times New Roman" panose="02020603050405020304" pitchFamily="18" charset="0"/>
+                <a:ea typeface="+mn-ea"/>
+                <a:cs typeface="+mn-cs"/>
+              </a:defRPr>
+            </a:lvl5pPr>
+            <a:lvl6pPr marL="2286000" algn="l" defTabSz="914400" rtl="0" eaLnBrk="1" latinLnBrk="0" hangingPunct="1">
+              <a:defRPr kern="1200">
+                <a:solidFill>
+                  <a:schemeClr val="tx2"/>
+                </a:solidFill>
+                <a:latin typeface="Times New Roman" panose="02020603050405020304" pitchFamily="18" charset="0"/>
+                <a:ea typeface="+mn-ea"/>
+                <a:cs typeface="+mn-cs"/>
+              </a:defRPr>
+            </a:lvl6pPr>
+            <a:lvl7pPr marL="2743200" algn="l" defTabSz="914400" rtl="0" eaLnBrk="1" latinLnBrk="0" hangingPunct="1">
+              <a:defRPr kern="1200">
+                <a:solidFill>
+                  <a:schemeClr val="tx2"/>
+                </a:solidFill>
+                <a:latin typeface="Times New Roman" panose="02020603050405020304" pitchFamily="18" charset="0"/>
+                <a:ea typeface="+mn-ea"/>
+                <a:cs typeface="+mn-cs"/>
+              </a:defRPr>
+            </a:lvl7pPr>
+            <a:lvl8pPr marL="3200400" algn="l" defTabSz="914400" rtl="0" eaLnBrk="1" latinLnBrk="0" hangingPunct="1">
+              <a:defRPr kern="1200">
+                <a:solidFill>
+                  <a:schemeClr val="tx2"/>
+                </a:solidFill>
+                <a:latin typeface="Times New Roman" panose="02020603050405020304" pitchFamily="18" charset="0"/>
+                <a:ea typeface="+mn-ea"/>
+                <a:cs typeface="+mn-cs"/>
+              </a:defRPr>
+            </a:lvl8pPr>
+            <a:lvl9pPr marL="3657600" algn="l" defTabSz="914400" rtl="0" eaLnBrk="1" latinLnBrk="0" hangingPunct="1">
+              <a:defRPr kern="1200">
+                <a:solidFill>
+                  <a:schemeClr val="tx2"/>
+                </a:solidFill>
+                <a:latin typeface="Times New Roman" panose="02020603050405020304" pitchFamily="18" charset="0"/>
+                <a:ea typeface="+mn-ea"/>
+                <a:cs typeface="+mn-cs"/>
+              </a:defRPr>
+            </a:lvl9pPr>
+          </a:lstStyle>
+          <a:p>
+            <a:pPr>
+              <a:spcBef>
+                <a:spcPct val="0"/>
+              </a:spcBef>
+              <a:buFontTx/>
+              <a:buNone/>
+            </a:pPr>
+            <a:r>
+              <a:rPr lang="en-US" altLang="en-US" sz="1800" dirty="0">
+                <a:solidFill>
+                  <a:schemeClr val="tx1"/>
+                </a:solidFill>
+                <a:latin typeface="+mn-lt"/>
+              </a:rPr>
+              <a:t>Channel Access Client:</a:t>
+            </a:r>
+          </a:p>
+          <a:p>
+            <a:pPr>
+              <a:spcBef>
+                <a:spcPct val="0"/>
+              </a:spcBef>
+              <a:buFontTx/>
+              <a:buNone/>
+            </a:pPr>
+            <a:r>
+              <a:rPr lang="en-US" altLang="en-US" sz="1800" dirty="0">
+                <a:solidFill>
+                  <a:schemeClr val="tx1"/>
+                </a:solidFill>
+                <a:latin typeface="+mn-lt"/>
+              </a:rPr>
+              <a:t>Connect to “LSX16a:M1:LVDT&lt;.VAL&gt;”</a:t>
+            </a:r>
+          </a:p>
+          <a:p>
+            <a:pPr>
+              <a:spcBef>
+                <a:spcPct val="0"/>
+              </a:spcBef>
+              <a:buFontTx/>
+              <a:buNone/>
+            </a:pPr>
+            <a:r>
+              <a:rPr lang="en-US" altLang="en-US" sz="1800" dirty="0">
+                <a:solidFill>
+                  <a:schemeClr val="tx1"/>
+                </a:solidFill>
+                <a:latin typeface="+mn-lt"/>
+              </a:rPr>
+              <a:t>  LSX16a:M1:LVDT.VAL</a:t>
+            </a:r>
+          </a:p>
+          <a:p>
+            <a:pPr>
+              <a:spcBef>
+                <a:spcPct val="0"/>
+              </a:spcBef>
+              <a:buFontTx/>
+              <a:buNone/>
+            </a:pPr>
+            <a:r>
+              <a:rPr lang="en-US" altLang="en-US" sz="1800" dirty="0">
+                <a:solidFill>
+                  <a:schemeClr val="tx1"/>
+                </a:solidFill>
+                <a:latin typeface="+mn-lt"/>
+              </a:rPr>
+              <a:t>  LSX16a:M1:LVDT.STAT</a:t>
+            </a:r>
+          </a:p>
+          <a:p>
+            <a:pPr>
+              <a:spcBef>
+                <a:spcPct val="0"/>
+              </a:spcBef>
+              <a:buFontTx/>
+              <a:buNone/>
+            </a:pPr>
+            <a:r>
+              <a:rPr lang="en-US" altLang="en-US" sz="1800" dirty="0">
+                <a:solidFill>
+                  <a:schemeClr val="tx1"/>
+                </a:solidFill>
+                <a:latin typeface="+mn-lt"/>
+              </a:rPr>
+              <a:t>  LSX16a:M1:LVDT.SEVR</a:t>
+            </a:r>
+          </a:p>
+          <a:p>
+            <a:pPr>
+              <a:spcBef>
+                <a:spcPct val="0"/>
+              </a:spcBef>
+              <a:buFontTx/>
+              <a:buNone/>
+            </a:pPr>
+            <a:r>
+              <a:rPr lang="en-US" altLang="en-US" sz="1800" dirty="0">
+                <a:solidFill>
+                  <a:schemeClr val="tx1"/>
+                </a:solidFill>
+                <a:latin typeface="+mn-lt"/>
+              </a:rPr>
+              <a:t>  LSX16a:M1:LVDT.TS</a:t>
+            </a:r>
+          </a:p>
+          <a:p>
+            <a:pPr>
+              <a:spcBef>
+                <a:spcPct val="0"/>
+              </a:spcBef>
+              <a:buFontTx/>
+              <a:buNone/>
+            </a:pPr>
+            <a:r>
+              <a:rPr lang="en-US" altLang="en-US" sz="1800" dirty="0">
+                <a:solidFill>
+                  <a:schemeClr val="tx1"/>
+                </a:solidFill>
+                <a:latin typeface="+mn-lt"/>
+              </a:rPr>
+              <a:t>  LSX16a:M1:LVDT.HOPR</a:t>
+            </a:r>
+          </a:p>
+          <a:p>
+            <a:pPr>
+              <a:spcBef>
+                <a:spcPct val="0"/>
+              </a:spcBef>
+              <a:buFontTx/>
+              <a:buNone/>
+            </a:pPr>
+            <a:r>
+              <a:rPr lang="en-US" altLang="en-US" sz="1800" dirty="0">
+                <a:solidFill>
+                  <a:schemeClr val="tx1"/>
+                </a:solidFill>
+                <a:latin typeface="+mn-lt"/>
+              </a:rPr>
+              <a:t>  LSX16a:M1:LVDT.LOPR</a:t>
+            </a:r>
+          </a:p>
+          <a:p>
+            <a:pPr>
+              <a:spcBef>
+                <a:spcPct val="0"/>
+              </a:spcBef>
+              <a:buFontTx/>
+              <a:buNone/>
+            </a:pPr>
+            <a:r>
+              <a:rPr lang="en-US" altLang="en-US" sz="1800" dirty="0">
+                <a:solidFill>
+                  <a:schemeClr val="tx1"/>
+                </a:solidFill>
+                <a:latin typeface="+mn-lt"/>
+              </a:rPr>
+              <a:t>  LSX16a:M1:LVDT.EGU</a:t>
+            </a:r>
+          </a:p>
+          <a:p>
+            <a:pPr>
+              <a:spcBef>
+                <a:spcPct val="0"/>
+              </a:spcBef>
+              <a:buFontTx/>
+              <a:buNone/>
+            </a:pPr>
+            <a:endParaRPr lang="en-US" altLang="en-US" sz="1800" dirty="0">
+              <a:solidFill>
+                <a:schemeClr val="tx1"/>
+              </a:solidFill>
+              <a:latin typeface="+mn-lt"/>
+            </a:endParaRPr>
+          </a:p>
+          <a:p>
+            <a:pPr>
+              <a:spcBef>
+                <a:spcPct val="0"/>
+              </a:spcBef>
+              <a:buFontTx/>
+              <a:buNone/>
+            </a:pPr>
+            <a:endParaRPr lang="en-US" altLang="en-US" sz="1800" dirty="0">
+              <a:solidFill>
+                <a:schemeClr val="tx1"/>
+              </a:solidFill>
+              <a:latin typeface="+mn-lt"/>
+            </a:endParaRPr>
+          </a:p>
+          <a:p>
+            <a:pPr>
+              <a:spcBef>
+                <a:spcPct val="0"/>
+              </a:spcBef>
+              <a:buFontTx/>
+              <a:buNone/>
+            </a:pPr>
+            <a:r>
+              <a:rPr lang="en-US" altLang="en-US" sz="1800" dirty="0">
+                <a:solidFill>
+                  <a:schemeClr val="tx1"/>
+                </a:solidFill>
+                <a:latin typeface="+mn-lt"/>
+              </a:rPr>
+              <a:t>Connect to “LSX16a:M1:LVDT.SCAN”</a:t>
+            </a:r>
+          </a:p>
+          <a:p>
+            <a:pPr>
+              <a:spcBef>
+                <a:spcPct val="0"/>
+              </a:spcBef>
+              <a:buFontTx/>
+              <a:buNone/>
+            </a:pPr>
+            <a:r>
+              <a:rPr lang="en-US" altLang="en-US" sz="1800" dirty="0">
+                <a:solidFill>
+                  <a:schemeClr val="tx1"/>
+                </a:solidFill>
+                <a:latin typeface="+mn-lt"/>
+              </a:rPr>
+              <a:t>  LSX16a:M1:LVDT.SCAN</a:t>
+            </a:r>
+          </a:p>
+          <a:p>
+            <a:pPr>
+              <a:spcBef>
+                <a:spcPct val="0"/>
+              </a:spcBef>
+              <a:buFontTx/>
+              <a:buNone/>
+            </a:pPr>
+            <a:r>
+              <a:rPr lang="en-US" altLang="en-US" sz="1800" dirty="0">
+                <a:solidFill>
+                  <a:schemeClr val="tx1"/>
+                </a:solidFill>
+                <a:latin typeface="+mn-lt"/>
+              </a:rPr>
+              <a:t>  LSX16a:M1:LVDT.STAT</a:t>
+            </a:r>
+          </a:p>
+          <a:p>
+            <a:pPr>
+              <a:spcBef>
+                <a:spcPct val="0"/>
+              </a:spcBef>
+              <a:buFontTx/>
+              <a:buNone/>
+            </a:pPr>
+            <a:r>
+              <a:rPr lang="en-US" altLang="en-US" sz="1800" dirty="0">
+                <a:solidFill>
+                  <a:schemeClr val="tx1"/>
+                </a:solidFill>
+                <a:latin typeface="+mn-lt"/>
+              </a:rPr>
+              <a:t>  LSX16a:M1:LVDT.SEVR</a:t>
+            </a:r>
+          </a:p>
+          <a:p>
+            <a:pPr>
+              <a:spcBef>
+                <a:spcPct val="0"/>
+              </a:spcBef>
+              <a:buFontTx/>
+              <a:buNone/>
+            </a:pPr>
+            <a:r>
+              <a:rPr lang="en-US" altLang="en-US" sz="1800" dirty="0">
+                <a:solidFill>
+                  <a:schemeClr val="tx1"/>
+                </a:solidFill>
+                <a:latin typeface="+mn-lt"/>
+              </a:rPr>
+              <a:t>  LSX16a:M1:LVDT.TS</a:t>
+            </a:r>
+          </a:p>
+          <a:p>
+            <a:pPr>
+              <a:spcBef>
+                <a:spcPct val="0"/>
+              </a:spcBef>
+              <a:buFontTx/>
+              <a:buNone/>
+            </a:pPr>
+            <a:r>
+              <a:rPr lang="en-US" altLang="en-US" sz="1800" dirty="0">
+                <a:solidFill>
+                  <a:schemeClr val="tx1"/>
+                </a:solidFill>
+                <a:latin typeface="+mn-lt"/>
+              </a:rPr>
+              <a:t>	# Choices</a:t>
+            </a:r>
+          </a:p>
+          <a:p>
+            <a:pPr>
+              <a:spcBef>
+                <a:spcPct val="0"/>
+              </a:spcBef>
+              <a:buFontTx/>
+              <a:buNone/>
+            </a:pPr>
+            <a:r>
+              <a:rPr lang="en-US" altLang="en-US" sz="1800" dirty="0">
+                <a:solidFill>
+                  <a:schemeClr val="tx1"/>
+                </a:solidFill>
+                <a:latin typeface="+mn-lt"/>
+              </a:rPr>
+              <a:t>	List of choices</a:t>
+            </a:r>
+          </a:p>
+          <a:p>
+            <a:pPr>
+              <a:spcBef>
+                <a:spcPct val="0"/>
+              </a:spcBef>
+              <a:buFontTx/>
+              <a:buNone/>
+            </a:pPr>
+            <a:r>
+              <a:rPr lang="en-US" altLang="en-US" sz="1800" dirty="0">
+                <a:solidFill>
+                  <a:schemeClr val="tx1"/>
+                </a:solidFill>
+                <a:latin typeface="+mn-lt"/>
+              </a:rPr>
+              <a:t>	</a:t>
+            </a:r>
+          </a:p>
+          <a:p>
+            <a:pPr>
+              <a:spcBef>
+                <a:spcPct val="0"/>
+              </a:spcBef>
+              <a:buFontTx/>
+              <a:buNone/>
+            </a:pPr>
+            <a:endParaRPr lang="en-US" altLang="en-US" sz="1800" dirty="0">
+              <a:solidFill>
+                <a:schemeClr val="tx1"/>
+              </a:solidFill>
+              <a:latin typeface="+mn-lt"/>
+            </a:endParaRPr>
+          </a:p>
+        </p:txBody>
+      </p:sp>
     </p:spTree>
     <p:extLst>
       <p:ext uri="{BB962C8B-B14F-4D97-AF65-F5344CB8AC3E}">
-        <p14:creationId xmlns:p14="http://schemas.microsoft.com/office/powerpoint/2010/main" val="2584487886"/>
+        <p14:creationId xmlns:p14="http://schemas.microsoft.com/office/powerpoint/2010/main" val="2943241790"/>
       </p:ext>
     </p:extLst>
   </p:cSld>
@@ -4404,6 +5769,100 @@
             <p:ph type="title"/>
           </p:nvPr>
         </p:nvSpPr>
+        <p:spPr>
+          <a:xfrm>
+            <a:off x="230189" y="546401"/>
+            <a:ext cx="3227349" cy="1702529"/>
+          </a:xfrm>
+        </p:spPr>
+        <p:txBody>
+          <a:bodyPr/>
+          <a:lstStyle/>
+          <a:p>
+            <a:r>
+              <a:rPr lang="en-US" dirty="0"/>
+              <a:t>Investigating a </a:t>
+            </a:r>
+            <a:r>
+              <a:rPr lang="en-US" dirty="0"/>
+              <a:t>C</a:t>
+            </a:r>
+            <a:r>
+              <a:rPr lang="en-US" dirty="0" smtClean="0"/>
+              <a:t>hannel</a:t>
+            </a:r>
+            <a:endParaRPr lang="en-US" dirty="0">
+              <a:effectLst/>
+            </a:endParaRPr>
+          </a:p>
+        </p:txBody>
+      </p:sp>
+      <p:pic>
+        <p:nvPicPr>
+          <p:cNvPr id="10" name="Content Placeholder 9"/>
+          <p:cNvPicPr>
+            <a:picLocks noGrp="1" noChangeAspect="1"/>
+          </p:cNvPicPr>
+          <p:nvPr>
+            <p:ph idx="1"/>
+          </p:nvPr>
+        </p:nvPicPr>
+        <p:blipFill>
+          <a:blip r:embed="rId3"/>
+          <a:stretch>
+            <a:fillRect/>
+          </a:stretch>
+        </p:blipFill>
+        <p:spPr>
+          <a:xfrm>
+            <a:off x="3457538" y="546401"/>
+            <a:ext cx="8379959" cy="5962917"/>
+          </a:xfrm>
+          <a:prstGeom prst="rect">
+            <a:avLst/>
+          </a:prstGeom>
+        </p:spPr>
+      </p:pic>
+    </p:spTree>
+    <p:extLst>
+      <p:ext uri="{BB962C8B-B14F-4D97-AF65-F5344CB8AC3E}">
+        <p14:creationId xmlns:p14="http://schemas.microsoft.com/office/powerpoint/2010/main" val="2584487886"/>
+      </p:ext>
+    </p:extLst>
+  </p:cSld>
+  <p:clrMapOvr>
+    <a:masterClrMapping/>
+  </p:clrMapOvr>
+</p:sld>
+</file>
+
+<file path=ppt/slides/slide13.xml><?xml version="1.0" encoding="utf-8"?>
+<p:sld xmlns:a="http://schemas.openxmlformats.org/drawingml/2006/main" xmlns:r="http://schemas.openxmlformats.org/officeDocument/2006/relationships" xmlns:p="http://schemas.openxmlformats.org/presentationml/2006/main">
+  <p:cSld>
+    <p:spTree>
+      <p:nvGrpSpPr>
+        <p:cNvPr id="1" name=""/>
+        <p:cNvGrpSpPr/>
+        <p:nvPr/>
+      </p:nvGrpSpPr>
+      <p:grpSpPr>
+        <a:xfrm>
+          <a:off x="0" y="0"/>
+          <a:ext cx="0" cy="0"/>
+          <a:chOff x="0" y="0"/>
+          <a:chExt cx="0" cy="0"/>
+        </a:xfrm>
+      </p:grpSpPr>
+      <p:sp>
+        <p:nvSpPr>
+          <p:cNvPr id="2" name="Title 1"/>
+          <p:cNvSpPr>
+            <a:spLocks noGrp="1"/>
+          </p:cNvSpPr>
+          <p:nvPr>
+            <p:ph type="title"/>
+          </p:nvPr>
+        </p:nvSpPr>
         <p:spPr/>
         <p:txBody>
           <a:bodyPr/>
@@ -4411,7 +5870,15 @@
           <a:p>
             <a:r>
               <a:rPr lang="en-US" dirty="0"/>
-              <a:t>Investigating a PV (2) </a:t>
+              <a:t>Investigating a </a:t>
+            </a:r>
+            <a:r>
+              <a:rPr lang="en-US" dirty="0" smtClean="0"/>
+              <a:t>Channel(2</a:t>
+            </a:r>
+            <a:r>
+              <a:rPr lang="en-US" dirty="0"/>
+              <a:t>) </a:t>
             </a:r>
           </a:p>
         </p:txBody>
@@ -4500,7 +5967,6 @@
               <a:rPr lang="en-US" dirty="0"/>
               <a:t>MAJOR range: &lt; 60 C</a:t>
             </a:r>
-            <a:endParaRPr lang="en-US" dirty="0"/>
           </a:p>
         </p:txBody>
       </p:sp>
@@ -4567,7 +6033,7 @@
 </p:sld>
 </file>
 
-<file path=ppt/slides/slide13.xml><?xml version="1.0" encoding="utf-8"?>
+<file path=ppt/slides/slide14.xml><?xml version="1.0" encoding="utf-8"?>
 <p:sld xmlns:a="http://schemas.openxmlformats.org/drawingml/2006/main" xmlns:r="http://schemas.openxmlformats.org/officeDocument/2006/relationships" xmlns:p="http://schemas.openxmlformats.org/presentationml/2006/main">
   <p:cSld>
     <p:spTree>
@@ -4709,7 +6175,7 @@
 </p:sld>
 </file>
 
-<file path=ppt/slides/slide14.xml><?xml version="1.0" encoding="utf-8"?>
+<file path=ppt/slides/slide15.xml><?xml version="1.0" encoding="utf-8"?>
 <p:sld xmlns:a="http://schemas.openxmlformats.org/drawingml/2006/main" xmlns:r="http://schemas.openxmlformats.org/officeDocument/2006/relationships" xmlns:p="http://schemas.openxmlformats.org/presentationml/2006/main">
   <p:cSld>
     <p:spTree>
@@ -5265,14 +6731,14 @@
           <a:effectLst/>
           <a:extLst>
             <a:ext uri="{909E8E84-426E-40dd-AFC4-6F175D3DCCD1}">
-              <a14:hiddenFill xmlns:a14="http://schemas.microsoft.com/office/drawing/2010/main" xmlns="">
+              <a14:hiddenFill xmlns="" xmlns:a14="http://schemas.microsoft.com/office/drawing/2010/main">
                 <a:solidFill>
                   <a:schemeClr val="accent1"/>
                 </a:solidFill>
               </a14:hiddenFill>
             </a:ext>
             <a:ext uri="{91240B29-F687-4f45-9708-019B960494DF}">
-              <a14:hiddenLine xmlns:a14="http://schemas.microsoft.com/office/drawing/2010/main" xmlns="" w="9525">
+              <a14:hiddenLine xmlns="" xmlns:a14="http://schemas.microsoft.com/office/drawing/2010/main" w="9525">
                 <a:solidFill>
                   <a:schemeClr val="tx1"/>
                 </a:solidFill>
@@ -5282,7 +6748,7 @@
               </a14:hiddenLine>
             </a:ext>
             <a:ext uri="{AF507438-7753-43e0-B8FC-AC1667EBCBE1}">
-              <a14:hiddenEffects xmlns:a14="http://schemas.microsoft.com/office/drawing/2010/main" xmlns="">
+              <a14:hiddenEffects xmlns="" xmlns:a14="http://schemas.microsoft.com/office/drawing/2010/main">
                 <a:effectLst>
                   <a:outerShdw blurRad="63500" dist="38099" dir="2700000" algn="ctr" rotWithShape="0">
                     <a:schemeClr val="bg2">
@@ -5330,12 +6796,12 @@
           <a:effectLst/>
           <a:extLst>
             <a:ext uri="{909E8E84-426E-40dd-AFC4-6F175D3DCCD1}">
-              <a14:hiddenFill xmlns:a14="http://schemas.microsoft.com/office/drawing/2010/main" xmlns="">
+              <a14:hiddenFill xmlns="" xmlns:a14="http://schemas.microsoft.com/office/drawing/2010/main">
                 <a:noFill/>
               </a14:hiddenFill>
             </a:ext>
             <a:ext uri="{AF507438-7753-43e0-B8FC-AC1667EBCBE1}">
-              <a14:hiddenEffects xmlns:a14="http://schemas.microsoft.com/office/drawing/2010/main" xmlns="">
+              <a14:hiddenEffects xmlns="" xmlns:a14="http://schemas.microsoft.com/office/drawing/2010/main">
                 <a:effectLst>
                   <a:outerShdw blurRad="63500" dist="38099" dir="2700000" algn="ctr" rotWithShape="0">
                     <a:schemeClr val="bg2">
@@ -5383,12 +6849,12 @@
           <a:effectLst/>
           <a:extLst>
             <a:ext uri="{909E8E84-426E-40dd-AFC4-6F175D3DCCD1}">
-              <a14:hiddenFill xmlns:a14="http://schemas.microsoft.com/office/drawing/2010/main" xmlns="">
+              <a14:hiddenFill xmlns="" xmlns:a14="http://schemas.microsoft.com/office/drawing/2010/main">
                 <a:noFill/>
               </a14:hiddenFill>
             </a:ext>
             <a:ext uri="{AF507438-7753-43e0-B8FC-AC1667EBCBE1}">
-              <a14:hiddenEffects xmlns:a14="http://schemas.microsoft.com/office/drawing/2010/main" xmlns="">
+              <a14:hiddenEffects xmlns="" xmlns:a14="http://schemas.microsoft.com/office/drawing/2010/main">
                 <a:effectLst>
                   <a:outerShdw blurRad="63500" dist="38099" dir="2700000" algn="ctr" rotWithShape="0">
                     <a:schemeClr val="bg2">
@@ -5436,12 +6902,12 @@
           <a:effectLst/>
           <a:extLst>
             <a:ext uri="{909E8E84-426E-40dd-AFC4-6F175D3DCCD1}">
-              <a14:hiddenFill xmlns:a14="http://schemas.microsoft.com/office/drawing/2010/main" xmlns="">
+              <a14:hiddenFill xmlns="" xmlns:a14="http://schemas.microsoft.com/office/drawing/2010/main">
                 <a:noFill/>
               </a14:hiddenFill>
             </a:ext>
             <a:ext uri="{AF507438-7753-43e0-B8FC-AC1667EBCBE1}">
-              <a14:hiddenEffects xmlns:a14="http://schemas.microsoft.com/office/drawing/2010/main" xmlns="">
+              <a14:hiddenEffects xmlns="" xmlns:a14="http://schemas.microsoft.com/office/drawing/2010/main">
                 <a:effectLst>
                   <a:outerShdw blurRad="63500" dist="38099" dir="2700000" algn="ctr" rotWithShape="0">
                     <a:schemeClr val="bg2">
@@ -5489,12 +6955,12 @@
           <a:effectLst/>
           <a:extLst>
             <a:ext uri="{909E8E84-426E-40dd-AFC4-6F175D3DCCD1}">
-              <a14:hiddenFill xmlns:a14="http://schemas.microsoft.com/office/drawing/2010/main" xmlns="">
+              <a14:hiddenFill xmlns="" xmlns:a14="http://schemas.microsoft.com/office/drawing/2010/main">
                 <a:noFill/>
               </a14:hiddenFill>
             </a:ext>
             <a:ext uri="{AF507438-7753-43e0-B8FC-AC1667EBCBE1}">
-              <a14:hiddenEffects xmlns:a14="http://schemas.microsoft.com/office/drawing/2010/main" xmlns="">
+              <a14:hiddenEffects xmlns="" xmlns:a14="http://schemas.microsoft.com/office/drawing/2010/main">
                 <a:effectLst>
                   <a:outerShdw blurRad="63500" dist="38099" dir="2700000" algn="ctr" rotWithShape="0">
                     <a:schemeClr val="bg2">
@@ -5542,12 +7008,12 @@
           <a:effectLst/>
           <a:extLst>
             <a:ext uri="{909E8E84-426E-40dd-AFC4-6F175D3DCCD1}">
-              <a14:hiddenFill xmlns:a14="http://schemas.microsoft.com/office/drawing/2010/main" xmlns="">
+              <a14:hiddenFill xmlns="" xmlns:a14="http://schemas.microsoft.com/office/drawing/2010/main">
                 <a:noFill/>
               </a14:hiddenFill>
             </a:ext>
             <a:ext uri="{AF507438-7753-43e0-B8FC-AC1667EBCBE1}">
-              <a14:hiddenEffects xmlns:a14="http://schemas.microsoft.com/office/drawing/2010/main" xmlns="">
+              <a14:hiddenEffects xmlns="" xmlns:a14="http://schemas.microsoft.com/office/drawing/2010/main">
                 <a:effectLst>
                   <a:outerShdw blurRad="63500" dist="38099" dir="2700000" algn="ctr" rotWithShape="0">
                     <a:schemeClr val="bg2">
@@ -5597,7 +7063,7 @@
           <a:effectLst/>
           <a:extLst>
             <a:ext uri="{AF507438-7753-43e0-B8FC-AC1667EBCBE1}">
-              <a14:hiddenEffects xmlns:a14="http://schemas.microsoft.com/office/drawing/2010/main" xmlns="">
+              <a14:hiddenEffects xmlns="" xmlns:a14="http://schemas.microsoft.com/office/drawing/2010/main">
                 <a:effectLst>
                   <a:outerShdw blurRad="63500" dist="38099" dir="2700000" algn="ctr" rotWithShape="0">
                     <a:schemeClr val="bg2">
@@ -5640,14 +7106,14 @@
           <a:effectLst/>
           <a:extLst>
             <a:ext uri="{909E8E84-426E-40dd-AFC4-6F175D3DCCD1}">
-              <a14:hiddenFill xmlns:a14="http://schemas.microsoft.com/office/drawing/2010/main" xmlns="">
+              <a14:hiddenFill xmlns="" xmlns:a14="http://schemas.microsoft.com/office/drawing/2010/main">
                 <a:solidFill>
                   <a:schemeClr val="accent1"/>
                 </a:solidFill>
               </a14:hiddenFill>
             </a:ext>
             <a:ext uri="{91240B29-F687-4f45-9708-019B960494DF}">
-              <a14:hiddenLine xmlns:a14="http://schemas.microsoft.com/office/drawing/2010/main" xmlns="" w="9525">
+              <a14:hiddenLine xmlns="" xmlns:a14="http://schemas.microsoft.com/office/drawing/2010/main" w="9525">
                 <a:solidFill>
                   <a:schemeClr val="tx1"/>
                 </a:solidFill>
@@ -5657,7 +7123,7 @@
               </a14:hiddenLine>
             </a:ext>
             <a:ext uri="{AF507438-7753-43e0-B8FC-AC1667EBCBE1}">
-              <a14:hiddenEffects xmlns:a14="http://schemas.microsoft.com/office/drawing/2010/main" xmlns="">
+              <a14:hiddenEffects xmlns="" xmlns:a14="http://schemas.microsoft.com/office/drawing/2010/main">
                 <a:effectLst>
                   <a:outerShdw blurRad="63500" dist="38099" dir="2700000" algn="ctr" rotWithShape="0">
                     <a:schemeClr val="bg2">
@@ -5710,12 +7176,12 @@
           <a:effectLst/>
           <a:extLst>
             <a:ext uri="{909E8E84-426E-40dd-AFC4-6F175D3DCCD1}">
-              <a14:hiddenFill xmlns:a14="http://schemas.microsoft.com/office/drawing/2010/main" xmlns="">
+              <a14:hiddenFill xmlns="" xmlns:a14="http://schemas.microsoft.com/office/drawing/2010/main">
                 <a:noFill/>
               </a14:hiddenFill>
             </a:ext>
             <a:ext uri="{AF507438-7753-43e0-B8FC-AC1667EBCBE1}">
-              <a14:hiddenEffects xmlns:a14="http://schemas.microsoft.com/office/drawing/2010/main" xmlns="">
+              <a14:hiddenEffects xmlns="" xmlns:a14="http://schemas.microsoft.com/office/drawing/2010/main">
                 <a:effectLst>
                   <a:outerShdw blurRad="63500" dist="38099" dir="2700000" algn="ctr" rotWithShape="0">
                     <a:schemeClr val="bg2">
@@ -5758,14 +7224,14 @@
           <a:effectLst/>
           <a:extLst>
             <a:ext uri="{909E8E84-426E-40dd-AFC4-6F175D3DCCD1}">
-              <a14:hiddenFill xmlns:a14="http://schemas.microsoft.com/office/drawing/2010/main" xmlns="">
+              <a14:hiddenFill xmlns="" xmlns:a14="http://schemas.microsoft.com/office/drawing/2010/main">
                 <a:solidFill>
                   <a:schemeClr val="accent1"/>
                 </a:solidFill>
               </a14:hiddenFill>
             </a:ext>
             <a:ext uri="{91240B29-F687-4f45-9708-019B960494DF}">
-              <a14:hiddenLine xmlns:a14="http://schemas.microsoft.com/office/drawing/2010/main" xmlns="" w="9525">
+              <a14:hiddenLine xmlns="" xmlns:a14="http://schemas.microsoft.com/office/drawing/2010/main" w="9525">
                 <a:solidFill>
                   <a:schemeClr val="tx1"/>
                 </a:solidFill>
@@ -5775,7 +7241,7 @@
               </a14:hiddenLine>
             </a:ext>
             <a:ext uri="{AF507438-7753-43e0-B8FC-AC1667EBCBE1}">
-              <a14:hiddenEffects xmlns:a14="http://schemas.microsoft.com/office/drawing/2010/main" xmlns="">
+              <a14:hiddenEffects xmlns="" xmlns:a14="http://schemas.microsoft.com/office/drawing/2010/main">
                 <a:effectLst>
                   <a:outerShdw blurRad="63500" dist="38099" dir="2700000" algn="ctr" rotWithShape="0">
                     <a:schemeClr val="bg2">
@@ -5823,14 +7289,14 @@
           <a:effectLst/>
           <a:extLst>
             <a:ext uri="{909E8E84-426E-40dd-AFC4-6F175D3DCCD1}">
-              <a14:hiddenFill xmlns:a14="http://schemas.microsoft.com/office/drawing/2010/main" xmlns="">
+              <a14:hiddenFill xmlns="" xmlns:a14="http://schemas.microsoft.com/office/drawing/2010/main">
                 <a:solidFill>
                   <a:schemeClr val="accent1"/>
                 </a:solidFill>
               </a14:hiddenFill>
             </a:ext>
             <a:ext uri="{91240B29-F687-4f45-9708-019B960494DF}">
-              <a14:hiddenLine xmlns:a14="http://schemas.microsoft.com/office/drawing/2010/main" xmlns="" w="9525">
+              <a14:hiddenLine xmlns="" xmlns:a14="http://schemas.microsoft.com/office/drawing/2010/main" w="9525">
                 <a:solidFill>
                   <a:schemeClr val="tx1"/>
                 </a:solidFill>
@@ -5840,7 +7306,7 @@
               </a14:hiddenLine>
             </a:ext>
             <a:ext uri="{AF507438-7753-43e0-B8FC-AC1667EBCBE1}">
-              <a14:hiddenEffects xmlns:a14="http://schemas.microsoft.com/office/drawing/2010/main" xmlns="">
+              <a14:hiddenEffects xmlns="" xmlns:a14="http://schemas.microsoft.com/office/drawing/2010/main">
                 <a:effectLst>
                   <a:outerShdw blurRad="63500" dist="38099" dir="2700000" algn="ctr" rotWithShape="0">
                     <a:schemeClr val="bg2">
@@ -5895,7 +7361,7 @@
           <a:effectLst/>
           <a:extLst>
             <a:ext uri="{AF507438-7753-43e0-B8FC-AC1667EBCBE1}">
-              <a14:hiddenEffects xmlns:a14="http://schemas.microsoft.com/office/drawing/2010/main" xmlns="">
+              <a14:hiddenEffects xmlns="" xmlns:a14="http://schemas.microsoft.com/office/drawing/2010/main">
                 <a:effectLst>
                   <a:outerShdw blurRad="63500" dist="38099" dir="2700000" algn="ctr" rotWithShape="0">
                     <a:schemeClr val="bg2">
@@ -5938,14 +7404,14 @@
           <a:effectLst/>
           <a:extLst>
             <a:ext uri="{909E8E84-426E-40dd-AFC4-6F175D3DCCD1}">
-              <a14:hiddenFill xmlns:a14="http://schemas.microsoft.com/office/drawing/2010/main" xmlns="">
+              <a14:hiddenFill xmlns="" xmlns:a14="http://schemas.microsoft.com/office/drawing/2010/main">
                 <a:solidFill>
                   <a:schemeClr val="accent1"/>
                 </a:solidFill>
               </a14:hiddenFill>
             </a:ext>
             <a:ext uri="{91240B29-F687-4f45-9708-019B960494DF}">
-              <a14:hiddenLine xmlns:a14="http://schemas.microsoft.com/office/drawing/2010/main" xmlns="" w="9525">
+              <a14:hiddenLine xmlns="" xmlns:a14="http://schemas.microsoft.com/office/drawing/2010/main" w="9525">
                 <a:solidFill>
                   <a:schemeClr val="tx1"/>
                 </a:solidFill>
@@ -5955,7 +7421,7 @@
               </a14:hiddenLine>
             </a:ext>
             <a:ext uri="{AF507438-7753-43e0-B8FC-AC1667EBCBE1}">
-              <a14:hiddenEffects xmlns:a14="http://schemas.microsoft.com/office/drawing/2010/main" xmlns="">
+              <a14:hiddenEffects xmlns="" xmlns:a14="http://schemas.microsoft.com/office/drawing/2010/main">
                 <a:effectLst>
                   <a:outerShdw blurRad="63500" dist="38099" dir="2700000" algn="ctr" rotWithShape="0">
                     <a:schemeClr val="bg2">
@@ -6008,12 +7474,12 @@
           <a:effectLst/>
           <a:extLst>
             <a:ext uri="{909E8E84-426E-40dd-AFC4-6F175D3DCCD1}">
-              <a14:hiddenFill xmlns:a14="http://schemas.microsoft.com/office/drawing/2010/main" xmlns="">
+              <a14:hiddenFill xmlns="" xmlns:a14="http://schemas.microsoft.com/office/drawing/2010/main">
                 <a:noFill/>
               </a14:hiddenFill>
             </a:ext>
             <a:ext uri="{AF507438-7753-43e0-B8FC-AC1667EBCBE1}">
-              <a14:hiddenEffects xmlns:a14="http://schemas.microsoft.com/office/drawing/2010/main" xmlns="">
+              <a14:hiddenEffects xmlns="" xmlns:a14="http://schemas.microsoft.com/office/drawing/2010/main">
                 <a:effectLst>
                   <a:outerShdw blurRad="63500" dist="38099" dir="2700000" algn="ctr" rotWithShape="0">
                     <a:schemeClr val="bg2">
@@ -6056,14 +7522,14 @@
           <a:effectLst/>
           <a:extLst>
             <a:ext uri="{909E8E84-426E-40dd-AFC4-6F175D3DCCD1}">
-              <a14:hiddenFill xmlns:a14="http://schemas.microsoft.com/office/drawing/2010/main" xmlns="">
+              <a14:hiddenFill xmlns="" xmlns:a14="http://schemas.microsoft.com/office/drawing/2010/main">
                 <a:solidFill>
                   <a:schemeClr val="accent1"/>
                 </a:solidFill>
               </a14:hiddenFill>
             </a:ext>
             <a:ext uri="{91240B29-F687-4f45-9708-019B960494DF}">
-              <a14:hiddenLine xmlns:a14="http://schemas.microsoft.com/office/drawing/2010/main" xmlns="" w="9525">
+              <a14:hiddenLine xmlns="" xmlns:a14="http://schemas.microsoft.com/office/drawing/2010/main" w="9525">
                 <a:solidFill>
                   <a:schemeClr val="tx1"/>
                 </a:solidFill>
@@ -6073,7 +7539,7 @@
               </a14:hiddenLine>
             </a:ext>
             <a:ext uri="{AF507438-7753-43e0-B8FC-AC1667EBCBE1}">
-              <a14:hiddenEffects xmlns:a14="http://schemas.microsoft.com/office/drawing/2010/main" xmlns="">
+              <a14:hiddenEffects xmlns="" xmlns:a14="http://schemas.microsoft.com/office/drawing/2010/main">
                 <a:effectLst>
                   <a:outerShdw blurRad="63500" dist="38099" dir="2700000" algn="ctr" rotWithShape="0">
                     <a:schemeClr val="bg2">
@@ -6128,7 +7594,7 @@
           <a:effectLst/>
           <a:extLst>
             <a:ext uri="{AF507438-7753-43e0-B8FC-AC1667EBCBE1}">
-              <a14:hiddenEffects xmlns:a14="http://schemas.microsoft.com/office/drawing/2010/main" xmlns="">
+              <a14:hiddenEffects xmlns="" xmlns:a14="http://schemas.microsoft.com/office/drawing/2010/main">
                 <a:effectLst>
                   <a:outerShdw blurRad="63500" dist="38099" dir="2700000" algn="ctr" rotWithShape="0">
                     <a:schemeClr val="bg2">
@@ -6171,14 +7637,14 @@
           <a:effectLst/>
           <a:extLst>
             <a:ext uri="{909E8E84-426E-40dd-AFC4-6F175D3DCCD1}">
-              <a14:hiddenFill xmlns:a14="http://schemas.microsoft.com/office/drawing/2010/main" xmlns="">
+              <a14:hiddenFill xmlns="" xmlns:a14="http://schemas.microsoft.com/office/drawing/2010/main">
                 <a:solidFill>
                   <a:schemeClr val="accent1"/>
                 </a:solidFill>
               </a14:hiddenFill>
             </a:ext>
             <a:ext uri="{91240B29-F687-4f45-9708-019B960494DF}">
-              <a14:hiddenLine xmlns:a14="http://schemas.microsoft.com/office/drawing/2010/main" xmlns="" w="9525">
+              <a14:hiddenLine xmlns="" xmlns:a14="http://schemas.microsoft.com/office/drawing/2010/main" w="9525">
                 <a:solidFill>
                   <a:schemeClr val="tx1"/>
                 </a:solidFill>
@@ -6188,7 +7654,7 @@
               </a14:hiddenLine>
             </a:ext>
             <a:ext uri="{AF507438-7753-43e0-B8FC-AC1667EBCBE1}">
-              <a14:hiddenEffects xmlns:a14="http://schemas.microsoft.com/office/drawing/2010/main" xmlns="">
+              <a14:hiddenEffects xmlns="" xmlns:a14="http://schemas.microsoft.com/office/drawing/2010/main">
                 <a:effectLst>
                   <a:outerShdw blurRad="63500" dist="38099" dir="2700000" algn="ctr" rotWithShape="0">
                     <a:schemeClr val="bg2">
@@ -6241,12 +7707,12 @@
           <a:effectLst/>
           <a:extLst>
             <a:ext uri="{909E8E84-426E-40dd-AFC4-6F175D3DCCD1}">
-              <a14:hiddenFill xmlns:a14="http://schemas.microsoft.com/office/drawing/2010/main" xmlns="">
+              <a14:hiddenFill xmlns="" xmlns:a14="http://schemas.microsoft.com/office/drawing/2010/main">
                 <a:noFill/>
               </a14:hiddenFill>
             </a:ext>
             <a:ext uri="{AF507438-7753-43e0-B8FC-AC1667EBCBE1}">
-              <a14:hiddenEffects xmlns:a14="http://schemas.microsoft.com/office/drawing/2010/main" xmlns="">
+              <a14:hiddenEffects xmlns="" xmlns:a14="http://schemas.microsoft.com/office/drawing/2010/main">
                 <a:effectLst>
                   <a:outerShdw blurRad="63500" dist="38099" dir="2700000" algn="ctr" rotWithShape="0">
                     <a:schemeClr val="bg2">
@@ -6289,14 +7755,14 @@
           <a:effectLst/>
           <a:extLst>
             <a:ext uri="{909E8E84-426E-40dd-AFC4-6F175D3DCCD1}">
-              <a14:hiddenFill xmlns:a14="http://schemas.microsoft.com/office/drawing/2010/main" xmlns="">
+              <a14:hiddenFill xmlns="" xmlns:a14="http://schemas.microsoft.com/office/drawing/2010/main">
                 <a:solidFill>
                   <a:schemeClr val="accent1"/>
                 </a:solidFill>
               </a14:hiddenFill>
             </a:ext>
             <a:ext uri="{91240B29-F687-4f45-9708-019B960494DF}">
-              <a14:hiddenLine xmlns:a14="http://schemas.microsoft.com/office/drawing/2010/main" xmlns="" w="9525">
+              <a14:hiddenLine xmlns="" xmlns:a14="http://schemas.microsoft.com/office/drawing/2010/main" w="9525">
                 <a:solidFill>
                   <a:schemeClr val="tx1"/>
                 </a:solidFill>
@@ -6306,7 +7772,7 @@
               </a14:hiddenLine>
             </a:ext>
             <a:ext uri="{AF507438-7753-43e0-B8FC-AC1667EBCBE1}">
-              <a14:hiddenEffects xmlns:a14="http://schemas.microsoft.com/office/drawing/2010/main" xmlns="">
+              <a14:hiddenEffects xmlns="" xmlns:a14="http://schemas.microsoft.com/office/drawing/2010/main">
                 <a:effectLst>
                   <a:outerShdw blurRad="63500" dist="38099" dir="2700000" algn="ctr" rotWithShape="0">
                     <a:schemeClr val="bg2">
@@ -6361,7 +7827,7 @@
           <a:effectLst/>
           <a:extLst>
             <a:ext uri="{AF507438-7753-43e0-B8FC-AC1667EBCBE1}">
-              <a14:hiddenEffects xmlns:a14="http://schemas.microsoft.com/office/drawing/2010/main" xmlns="">
+              <a14:hiddenEffects xmlns="" xmlns:a14="http://schemas.microsoft.com/office/drawing/2010/main">
                 <a:effectLst>
                   <a:outerShdw blurRad="63500" dist="38099" dir="2700000" algn="ctr" rotWithShape="0">
                     <a:schemeClr val="bg2">
@@ -6404,14 +7870,14 @@
           <a:effectLst/>
           <a:extLst>
             <a:ext uri="{909E8E84-426E-40dd-AFC4-6F175D3DCCD1}">
-              <a14:hiddenFill xmlns:a14="http://schemas.microsoft.com/office/drawing/2010/main" xmlns="">
+              <a14:hiddenFill xmlns="" xmlns:a14="http://schemas.microsoft.com/office/drawing/2010/main">
                 <a:solidFill>
                   <a:schemeClr val="accent1"/>
                 </a:solidFill>
               </a14:hiddenFill>
             </a:ext>
             <a:ext uri="{91240B29-F687-4f45-9708-019B960494DF}">
-              <a14:hiddenLine xmlns:a14="http://schemas.microsoft.com/office/drawing/2010/main" xmlns="" w="9525">
+              <a14:hiddenLine xmlns="" xmlns:a14="http://schemas.microsoft.com/office/drawing/2010/main" w="9525">
                 <a:solidFill>
                   <a:schemeClr val="tx1"/>
                 </a:solidFill>
@@ -6421,7 +7887,7 @@
               </a14:hiddenLine>
             </a:ext>
             <a:ext uri="{AF507438-7753-43e0-B8FC-AC1667EBCBE1}">
-              <a14:hiddenEffects xmlns:a14="http://schemas.microsoft.com/office/drawing/2010/main" xmlns="">
+              <a14:hiddenEffects xmlns="" xmlns:a14="http://schemas.microsoft.com/office/drawing/2010/main">
                 <a:effectLst>
                   <a:outerShdw blurRad="63500" dist="38099" dir="2700000" algn="ctr" rotWithShape="0">
                     <a:schemeClr val="bg2">
@@ -6478,12 +7944,12 @@
           <a:effectLst/>
           <a:extLst>
             <a:ext uri="{909E8E84-426E-40dd-AFC4-6F175D3DCCD1}">
-              <a14:hiddenFill xmlns:a14="http://schemas.microsoft.com/office/drawing/2010/main" xmlns="">
+              <a14:hiddenFill xmlns="" xmlns:a14="http://schemas.microsoft.com/office/drawing/2010/main">
                 <a:noFill/>
               </a14:hiddenFill>
             </a:ext>
             <a:ext uri="{AF507438-7753-43e0-B8FC-AC1667EBCBE1}">
-              <a14:hiddenEffects xmlns:a14="http://schemas.microsoft.com/office/drawing/2010/main" xmlns="">
+              <a14:hiddenEffects xmlns="" xmlns:a14="http://schemas.microsoft.com/office/drawing/2010/main">
                 <a:effectLst>
                   <a:outerShdw blurRad="63500" dist="38099" dir="2700000" algn="ctr" rotWithShape="0">
                     <a:schemeClr val="bg2">
@@ -6526,14 +7992,14 @@
           <a:effectLst/>
           <a:extLst>
             <a:ext uri="{909E8E84-426E-40dd-AFC4-6F175D3DCCD1}">
-              <a14:hiddenFill xmlns:a14="http://schemas.microsoft.com/office/drawing/2010/main" xmlns="">
+              <a14:hiddenFill xmlns="" xmlns:a14="http://schemas.microsoft.com/office/drawing/2010/main">
                 <a:solidFill>
                   <a:schemeClr val="accent1"/>
                 </a:solidFill>
               </a14:hiddenFill>
             </a:ext>
             <a:ext uri="{91240B29-F687-4f45-9708-019B960494DF}">
-              <a14:hiddenLine xmlns:a14="http://schemas.microsoft.com/office/drawing/2010/main" xmlns="" w="9525">
+              <a14:hiddenLine xmlns="" xmlns:a14="http://schemas.microsoft.com/office/drawing/2010/main" w="9525">
                 <a:solidFill>
                   <a:schemeClr val="tx1"/>
                 </a:solidFill>
@@ -6543,7 +8009,7 @@
               </a14:hiddenLine>
             </a:ext>
             <a:ext uri="{AF507438-7753-43e0-B8FC-AC1667EBCBE1}">
-              <a14:hiddenEffects xmlns:a14="http://schemas.microsoft.com/office/drawing/2010/main" xmlns="">
+              <a14:hiddenEffects xmlns="" xmlns:a14="http://schemas.microsoft.com/office/drawing/2010/main">
                 <a:effectLst>
                   <a:outerShdw blurRad="63500" dist="38099" dir="2700000" algn="ctr" rotWithShape="0">
                     <a:schemeClr val="bg2">
@@ -6591,14 +8057,14 @@
           <a:effectLst/>
           <a:extLst>
             <a:ext uri="{909E8E84-426E-40dd-AFC4-6F175D3DCCD1}">
-              <a14:hiddenFill xmlns:a14="http://schemas.microsoft.com/office/drawing/2010/main" xmlns="">
+              <a14:hiddenFill xmlns="" xmlns:a14="http://schemas.microsoft.com/office/drawing/2010/main">
                 <a:solidFill>
                   <a:schemeClr val="accent1"/>
                 </a:solidFill>
               </a14:hiddenFill>
             </a:ext>
             <a:ext uri="{91240B29-F687-4f45-9708-019B960494DF}">
-              <a14:hiddenLine xmlns:a14="http://schemas.microsoft.com/office/drawing/2010/main" xmlns="" w="9525">
+              <a14:hiddenLine xmlns="" xmlns:a14="http://schemas.microsoft.com/office/drawing/2010/main" w="9525">
                 <a:solidFill>
                   <a:schemeClr val="tx1"/>
                 </a:solidFill>
@@ -6608,7 +8074,7 @@
               </a14:hiddenLine>
             </a:ext>
             <a:ext uri="{AF507438-7753-43e0-B8FC-AC1667EBCBE1}">
-              <a14:hiddenEffects xmlns:a14="http://schemas.microsoft.com/office/drawing/2010/main" xmlns="">
+              <a14:hiddenEffects xmlns="" xmlns:a14="http://schemas.microsoft.com/office/drawing/2010/main">
                 <a:effectLst>
                   <a:outerShdw blurRad="63500" dist="38099" dir="2700000" algn="ctr" rotWithShape="0">
                     <a:schemeClr val="bg2">
@@ -7263,7 +8729,69 @@
             <a:avLst/>
           </a:prstGeom>
         </p:spPr>
+        <p:style>
+          <a:lnRef idx="2">
+            <a:schemeClr val="dk1"/>
+          </a:lnRef>
+          <a:fillRef idx="1">
+            <a:schemeClr val="lt1"/>
+          </a:fillRef>
+          <a:effectRef idx="0">
+            <a:schemeClr val="dk1"/>
+          </a:effectRef>
+          <a:fontRef idx="minor">
+            <a:schemeClr val="dk1"/>
+          </a:fontRef>
+        </p:style>
       </p:pic>
+      <p:sp>
+        <p:nvSpPr>
+          <p:cNvPr id="3" name="Rectangle 2"/>
+          <p:cNvSpPr/>
+          <p:nvPr/>
+        </p:nvSpPr>
+        <p:spPr>
+          <a:xfrm>
+            <a:off x="7006281" y="1363429"/>
+            <a:ext cx="667265" cy="271848"/>
+          </a:xfrm>
+          <a:prstGeom prst="rect">
+            <a:avLst/>
+          </a:prstGeom>
+          <a:solidFill>
+            <a:schemeClr val="bg1"/>
+          </a:solidFill>
+          <a:ln>
+            <a:solidFill>
+              <a:schemeClr val="bg1"/>
+            </a:solidFill>
+          </a:ln>
+        </p:spPr>
+        <p:style>
+          <a:lnRef idx="2">
+            <a:schemeClr val="accent1">
+              <a:shade val="50000"/>
+            </a:schemeClr>
+          </a:lnRef>
+          <a:fillRef idx="1">
+            <a:schemeClr val="accent1"/>
+          </a:fillRef>
+          <a:effectRef idx="0">
+            <a:schemeClr val="accent1"/>
+          </a:effectRef>
+          <a:fontRef idx="minor">
+            <a:schemeClr val="lt1"/>
+          </a:fontRef>
+        </p:style>
+        <p:txBody>
+          <a:bodyPr rtlCol="0" anchor="ctr"/>
+          <a:lstStyle/>
+          <a:p>
+            <a:pPr algn="ctr"/>
+            <a:endParaRPr lang="en-US"/>
+          </a:p>
+        </p:txBody>
+      </p:sp>
     </p:spTree>
     <p:extLst>
       <p:ext uri="{BB962C8B-B14F-4D97-AF65-F5344CB8AC3E}">
